--- a/Maogai_final.d/PowerPoint/问题清单.pptx
+++ b/Maogai_final.d/PowerPoint/问题清单.pptx
@@ -104,6 +104,11 @@
       </a:defRPr>
     </a:lvl9pPr>
   </p:defaultTextStyle>
+  <p:extLst>
+    <p:ext uri="{EFAFB233-063F-42B5-8137-9DF3F51BA10A}">
+      <p15:sldGuideLst xmlns:p15="http://schemas.microsoft.com/office/powerpoint/2012/main"/>
+    </p:ext>
+  </p:extLst>
 </p:presentation>
 </file>
 
@@ -254,7 +259,7 @@
           <a:p>
             <a:fld id="{B8666E79-8D54-4DA0-9DCB-90C5DC44CB0C}" type="datetimeFigureOut">
               <a:rPr lang="en-US" smtClean="0"/>
-              <a:t>2025-12-14</a:t>
+              <a:t>2025-12-18</a:t>
             </a:fld>
             <a:endParaRPr lang="en-US"/>
           </a:p>
@@ -452,7 +457,7 @@
           <a:p>
             <a:fld id="{B8666E79-8D54-4DA0-9DCB-90C5DC44CB0C}" type="datetimeFigureOut">
               <a:rPr lang="en-US" smtClean="0"/>
-              <a:t>2025-12-14</a:t>
+              <a:t>2025-12-18</a:t>
             </a:fld>
             <a:endParaRPr lang="en-US"/>
           </a:p>
@@ -660,7 +665,7 @@
           <a:p>
             <a:fld id="{B8666E79-8D54-4DA0-9DCB-90C5DC44CB0C}" type="datetimeFigureOut">
               <a:rPr lang="en-US" smtClean="0"/>
-              <a:t>2025-12-14</a:t>
+              <a:t>2025-12-18</a:t>
             </a:fld>
             <a:endParaRPr lang="en-US"/>
           </a:p>
@@ -858,7 +863,7 @@
           <a:p>
             <a:fld id="{B8666E79-8D54-4DA0-9DCB-90C5DC44CB0C}" type="datetimeFigureOut">
               <a:rPr lang="en-US" smtClean="0"/>
-              <a:t>2025-12-14</a:t>
+              <a:t>2025-12-18</a:t>
             </a:fld>
             <a:endParaRPr lang="en-US"/>
           </a:p>
@@ -1133,7 +1138,7 @@
           <a:p>
             <a:fld id="{B8666E79-8D54-4DA0-9DCB-90C5DC44CB0C}" type="datetimeFigureOut">
               <a:rPr lang="en-US" smtClean="0"/>
-              <a:t>2025-12-14</a:t>
+              <a:t>2025-12-18</a:t>
             </a:fld>
             <a:endParaRPr lang="en-US"/>
           </a:p>
@@ -1398,7 +1403,7 @@
           <a:p>
             <a:fld id="{B8666E79-8D54-4DA0-9DCB-90C5DC44CB0C}" type="datetimeFigureOut">
               <a:rPr lang="en-US" smtClean="0"/>
-              <a:t>2025-12-14</a:t>
+              <a:t>2025-12-18</a:t>
             </a:fld>
             <a:endParaRPr lang="en-US"/>
           </a:p>
@@ -1810,7 +1815,7 @@
           <a:p>
             <a:fld id="{B8666E79-8D54-4DA0-9DCB-90C5DC44CB0C}" type="datetimeFigureOut">
               <a:rPr lang="en-US" smtClean="0"/>
-              <a:t>2025-12-14</a:t>
+              <a:t>2025-12-18</a:t>
             </a:fld>
             <a:endParaRPr lang="en-US"/>
           </a:p>
@@ -1951,7 +1956,7 @@
           <a:p>
             <a:fld id="{B8666E79-8D54-4DA0-9DCB-90C5DC44CB0C}" type="datetimeFigureOut">
               <a:rPr lang="en-US" smtClean="0"/>
-              <a:t>2025-12-14</a:t>
+              <a:t>2025-12-18</a:t>
             </a:fld>
             <a:endParaRPr lang="en-US"/>
           </a:p>
@@ -2064,7 +2069,7 @@
           <a:p>
             <a:fld id="{B8666E79-8D54-4DA0-9DCB-90C5DC44CB0C}" type="datetimeFigureOut">
               <a:rPr lang="en-US" smtClean="0"/>
-              <a:t>2025-12-14</a:t>
+              <a:t>2025-12-18</a:t>
             </a:fld>
             <a:endParaRPr lang="en-US"/>
           </a:p>
@@ -2375,7 +2380,7 @@
           <a:p>
             <a:fld id="{B8666E79-8D54-4DA0-9DCB-90C5DC44CB0C}" type="datetimeFigureOut">
               <a:rPr lang="en-US" smtClean="0"/>
-              <a:t>2025-12-14</a:t>
+              <a:t>2025-12-18</a:t>
             </a:fld>
             <a:endParaRPr lang="en-US"/>
           </a:p>
@@ -2663,7 +2668,7 @@
           <a:p>
             <a:fld id="{B8666E79-8D54-4DA0-9DCB-90C5DC44CB0C}" type="datetimeFigureOut">
               <a:rPr lang="en-US" smtClean="0"/>
-              <a:t>2025-12-14</a:t>
+              <a:t>2025-12-18</a:t>
             </a:fld>
             <a:endParaRPr lang="en-US"/>
           </a:p>
@@ -2904,7 +2909,7 @@
           <a:p>
             <a:fld id="{B8666E79-8D54-4DA0-9DCB-90C5DC44CB0C}" type="datetimeFigureOut">
               <a:rPr lang="en-US" smtClean="0"/>
-              <a:t>2025-12-14</a:t>
+              <a:t>2025-12-18</a:t>
             </a:fld>
             <a:endParaRPr lang="en-US"/>
           </a:p>
@@ -3335,11 +3340,13 @@
         </p:nvSpPr>
         <p:spPr>
           <a:xfrm>
-            <a:off x="600974" y="621101"/>
-            <a:ext cx="10990052" cy="5615797"/>
+            <a:off x="0" y="314007"/>
+            <a:ext cx="12192000" cy="6229979"/>
           </a:xfrm>
           <a:prstGeom prst="verticalScroll">
-            <a:avLst/>
+            <a:avLst>
+              <a:gd name="adj" fmla="val 7100"/>
+            </a:avLst>
           </a:prstGeom>
           <a:noFill/>
           <a:effectLst>
@@ -3392,20 +3399,14 @@
         </p:nvSpPr>
         <p:spPr>
           <a:xfrm>
-            <a:off x="1503366" y="1751616"/>
-            <a:ext cx="9185267" cy="3354765"/>
+            <a:off x="796502" y="886152"/>
+            <a:ext cx="10598990" cy="5085688"/>
           </a:xfrm>
           <a:prstGeom prst="rect">
             <a:avLst/>
           </a:prstGeom>
           <a:noFill/>
-          <a:effectLst>
-            <a:outerShdw blurRad="50800" dist="38100" dir="2700000" algn="tl" rotWithShape="0">
-              <a:prstClr val="black">
-                <a:alpha val="40000"/>
-              </a:prstClr>
-            </a:outerShdw>
-          </a:effectLst>
+          <a:effectLst/>
         </p:spPr>
         <p:txBody>
           <a:bodyPr wrap="square" rtlCol="0">
@@ -3414,6 +3415,9 @@
           <a:lstStyle/>
           <a:p>
             <a:pPr algn="ctr">
+              <a:lnSpc>
+                <a:spcPct val="150000"/>
+              </a:lnSpc>
               <a:spcBef>
                 <a:spcPts val="600"/>
               </a:spcBef>
@@ -3422,34 +3426,37 @@
               </a:spcAft>
             </a:pPr>
             <a:r>
-              <a:rPr lang="zh-CN" altLang="en-US" sz="2800" dirty="0">
+              <a:rPr lang="zh-CN" altLang="en-US" sz="3200" b="1" dirty="0">
                 <a:latin typeface="Noto Sans CJK SC" panose="020B0200000000000000" pitchFamily="34" charset="-128"/>
                 <a:ea typeface="Noto Sans CJK SC" panose="020B0200000000000000" pitchFamily="34" charset="-128"/>
               </a:rPr>
               <a:t>问题清单</a:t>
             </a:r>
-            <a:endParaRPr lang="en-US" altLang="zh-CN" sz="2800" dirty="0">
+            <a:endParaRPr lang="en-US" altLang="zh-CN" sz="3200" b="1" dirty="0">
               <a:latin typeface="Noto Sans CJK SC" panose="020B0200000000000000" pitchFamily="34" charset="-128"/>
               <a:ea typeface="Noto Sans CJK SC" panose="020B0200000000000000" pitchFamily="34" charset="-128"/>
             </a:endParaRPr>
           </a:p>
           <a:p>
-            <a:pPr>
+            <a:pPr marL="285750" indent="-285750">
+              <a:lnSpc>
+                <a:spcPct val="150000"/>
+              </a:lnSpc>
               <a:spcBef>
                 <a:spcPts val="600"/>
               </a:spcBef>
-              <a:buFont typeface="Arial" panose="020B0604020202020204" pitchFamily="34" charset="0"/>
-              <a:buChar char="•"/>
+              <a:buFont typeface="Wingdings" panose="05000000000000000000" pitchFamily="2" charset="2"/>
+              <a:buChar char="Ø"/>
             </a:pPr>
             <a:r>
-              <a:rPr lang="zh-CN" altLang="en-US" b="1" dirty="0">
+              <a:rPr lang="zh-CN" altLang="en-US" sz="2000" b="1" dirty="0">
                 <a:latin typeface="Noto Serif CJK SC" panose="02020200000000000000" pitchFamily="18" charset="-128"/>
                 <a:ea typeface="Noto Serif CJK SC" panose="02020200000000000000" pitchFamily="18" charset="-128"/>
               </a:rPr>
               <a:t>经济波动循环</a:t>
             </a:r>
             <a:r>
-              <a:rPr lang="zh-CN" altLang="en-US" dirty="0">
+              <a:rPr lang="zh-CN" altLang="en-US" sz="2000" dirty="0">
                 <a:latin typeface="Noto Serif CJK SC" panose="02020200000000000000" pitchFamily="18" charset="-128"/>
                 <a:ea typeface="Noto Serif CJK SC" panose="02020200000000000000" pitchFamily="18" charset="-128"/>
               </a:rPr>
@@ -3457,36 +3464,39 @@
             </a:r>
           </a:p>
           <a:p>
-            <a:pPr>
+            <a:pPr marL="285750" indent="-285750">
+              <a:lnSpc>
+                <a:spcPct val="150000"/>
+              </a:lnSpc>
               <a:spcBef>
                 <a:spcPts val="600"/>
               </a:spcBef>
-              <a:buFont typeface="Arial" panose="020B0604020202020204" pitchFamily="34" charset="0"/>
-              <a:buChar char="•"/>
+              <a:buFont typeface="Wingdings" panose="05000000000000000000" pitchFamily="2" charset="2"/>
+              <a:buChar char="Ø"/>
             </a:pPr>
             <a:r>
-              <a:rPr lang="zh-CN" altLang="en-US" b="1" dirty="0">
+              <a:rPr lang="zh-CN" altLang="en-US" sz="2000" b="1" dirty="0">
                 <a:latin typeface="Noto Serif CJK SC" panose="02020200000000000000" pitchFamily="18" charset="-128"/>
                 <a:ea typeface="Noto Serif CJK SC" panose="02020200000000000000" pitchFamily="18" charset="-128"/>
               </a:rPr>
               <a:t>寻租与腐败</a:t>
             </a:r>
             <a:r>
-              <a:rPr lang="zh-CN" altLang="en-US" dirty="0">
+              <a:rPr lang="zh-CN" altLang="en-US" sz="2000" dirty="0">
                 <a:latin typeface="Noto Serif CJK SC" panose="02020200000000000000" pitchFamily="18" charset="-128"/>
                 <a:ea typeface="Noto Serif CJK SC" panose="02020200000000000000" pitchFamily="18" charset="-128"/>
               </a:rPr>
               <a:t>：制度租金（计划</a:t>
             </a:r>
             <a:r>
-              <a:rPr lang="en-US" altLang="zh-CN" dirty="0">
+              <a:rPr lang="en-US" altLang="zh-CN" sz="2000" dirty="0">
                 <a:latin typeface="Noto Serif CJK SC" panose="02020200000000000000" pitchFamily="18" charset="-128"/>
                 <a:ea typeface="Noto Serif CJK SC" panose="02020200000000000000" pitchFamily="18" charset="-128"/>
               </a:rPr>
               <a:t>/</a:t>
             </a:r>
             <a:r>
-              <a:rPr lang="zh-CN" altLang="en-US" dirty="0">
+              <a:rPr lang="zh-CN" altLang="en-US" sz="2000" dirty="0">
                 <a:latin typeface="Noto Serif CJK SC" panose="02020200000000000000" pitchFamily="18" charset="-128"/>
                 <a:ea typeface="Noto Serif CJK SC" panose="02020200000000000000" pitchFamily="18" charset="-128"/>
               </a:rPr>
@@ -3494,50 +3504,53 @@
             </a:r>
           </a:p>
           <a:p>
-            <a:pPr>
+            <a:pPr marL="285750" indent="-285750">
+              <a:lnSpc>
+                <a:spcPct val="150000"/>
+              </a:lnSpc>
               <a:spcBef>
                 <a:spcPts val="600"/>
               </a:spcBef>
-              <a:buFont typeface="Arial" panose="020B0604020202020204" pitchFamily="34" charset="0"/>
-              <a:buChar char="•"/>
+              <a:buFont typeface="Wingdings" panose="05000000000000000000" pitchFamily="2" charset="2"/>
+              <a:buChar char="Ø"/>
             </a:pPr>
             <a:r>
-              <a:rPr lang="zh-CN" altLang="en-US" b="1" dirty="0">
+              <a:rPr lang="zh-CN" altLang="en-US" sz="2000" b="1" dirty="0">
                 <a:latin typeface="Noto Serif CJK SC" panose="02020200000000000000" pitchFamily="18" charset="-128"/>
                 <a:ea typeface="Noto Serif CJK SC" panose="02020200000000000000" pitchFamily="18" charset="-128"/>
               </a:rPr>
               <a:t>国企改革困境</a:t>
             </a:r>
             <a:r>
-              <a:rPr lang="zh-CN" altLang="en-US" dirty="0">
+              <a:rPr lang="zh-CN" altLang="en-US" sz="2000" dirty="0">
                 <a:latin typeface="Noto Serif CJK SC" panose="02020200000000000000" pitchFamily="18" charset="-128"/>
                 <a:ea typeface="Noto Serif CJK SC" panose="02020200000000000000" pitchFamily="18" charset="-128"/>
               </a:rPr>
               <a:t>：背负战略</a:t>
             </a:r>
             <a:r>
-              <a:rPr lang="en-US" altLang="zh-CN" dirty="0">
+              <a:rPr lang="en-US" altLang="zh-CN" sz="2000" dirty="0">
                 <a:latin typeface="Noto Serif CJK SC" panose="02020200000000000000" pitchFamily="18" charset="-128"/>
                 <a:ea typeface="Noto Serif CJK SC" panose="02020200000000000000" pitchFamily="18" charset="-128"/>
               </a:rPr>
               <a:t>/</a:t>
             </a:r>
             <a:r>
-              <a:rPr lang="zh-CN" altLang="en-US" dirty="0">
+              <a:rPr lang="zh-CN" altLang="en-US" sz="2000" dirty="0">
                 <a:latin typeface="Noto Serif CJK SC" panose="02020200000000000000" pitchFamily="18" charset="-128"/>
                 <a:ea typeface="Noto Serif CJK SC" panose="02020200000000000000" pitchFamily="18" charset="-128"/>
               </a:rPr>
               <a:t>社会</a:t>
             </a:r>
             <a:r>
-              <a:rPr lang="en-US" altLang="zh-CN" dirty="0">
+              <a:rPr lang="en-US" altLang="zh-CN" sz="2000" dirty="0">
                 <a:latin typeface="Noto Serif CJK SC" panose="02020200000000000000" pitchFamily="18" charset="-128"/>
                 <a:ea typeface="Noto Serif CJK SC" panose="02020200000000000000" pitchFamily="18" charset="-128"/>
               </a:rPr>
               <a:t>/</a:t>
             </a:r>
             <a:r>
-              <a:rPr lang="zh-CN" altLang="en-US" dirty="0">
+              <a:rPr lang="zh-CN" altLang="en-US" sz="2000" dirty="0">
                 <a:latin typeface="Noto Serif CJK SC" panose="02020200000000000000" pitchFamily="18" charset="-128"/>
                 <a:ea typeface="Noto Serif CJK SC" panose="02020200000000000000" pitchFamily="18" charset="-128"/>
               </a:rPr>
@@ -3545,22 +3558,25 @@
             </a:r>
           </a:p>
           <a:p>
-            <a:pPr>
+            <a:pPr marL="285750" indent="-285750">
+              <a:lnSpc>
+                <a:spcPct val="150000"/>
+              </a:lnSpc>
               <a:spcBef>
                 <a:spcPts val="600"/>
               </a:spcBef>
-              <a:buFont typeface="Arial" panose="020B0604020202020204" pitchFamily="34" charset="0"/>
-              <a:buChar char="•"/>
+              <a:buFont typeface="Wingdings" panose="05000000000000000000" pitchFamily="2" charset="2"/>
+              <a:buChar char="Ø"/>
             </a:pPr>
             <a:r>
-              <a:rPr lang="zh-CN" altLang="en-US" b="1" dirty="0">
+              <a:rPr lang="zh-CN" altLang="en-US" sz="2000" b="1" dirty="0">
                 <a:latin typeface="Noto Serif CJK SC" panose="02020200000000000000" pitchFamily="18" charset="-128"/>
                 <a:ea typeface="Noto Serif CJK SC" panose="02020200000000000000" pitchFamily="18" charset="-128"/>
               </a:rPr>
               <a:t>金融体制弊端</a:t>
             </a:r>
             <a:r>
-              <a:rPr lang="zh-CN" altLang="en-US" dirty="0">
+              <a:rPr lang="zh-CN" altLang="en-US" sz="2000" dirty="0">
                 <a:latin typeface="Noto Serif CJK SC" panose="02020200000000000000" pitchFamily="18" charset="-128"/>
                 <a:ea typeface="Noto Serif CJK SC" panose="02020200000000000000" pitchFamily="18" charset="-128"/>
               </a:rPr>
@@ -3568,43 +3584,46 @@
             </a:r>
           </a:p>
           <a:p>
-            <a:pPr>
+            <a:pPr marL="285750" indent="-285750">
+              <a:lnSpc>
+                <a:spcPct val="150000"/>
+              </a:lnSpc>
               <a:spcBef>
                 <a:spcPts val="600"/>
               </a:spcBef>
-              <a:buFont typeface="Arial" panose="020B0604020202020204" pitchFamily="34" charset="0"/>
-              <a:buChar char="•"/>
+              <a:buFont typeface="Wingdings" panose="05000000000000000000" pitchFamily="2" charset="2"/>
+              <a:buChar char="Ø"/>
             </a:pPr>
             <a:r>
-              <a:rPr lang="zh-CN" altLang="en-US" b="1" dirty="0">
+              <a:rPr lang="zh-CN" altLang="en-US" sz="2000" b="1" dirty="0">
                 <a:latin typeface="Noto Serif CJK SC" panose="02020200000000000000" pitchFamily="18" charset="-128"/>
                 <a:ea typeface="Noto Serif CJK SC" panose="02020200000000000000" pitchFamily="18" charset="-128"/>
               </a:rPr>
               <a:t>区域与城乡失衡</a:t>
             </a:r>
             <a:r>
-              <a:rPr lang="zh-CN" altLang="en-US" dirty="0">
+              <a:rPr lang="zh-CN" altLang="en-US" sz="2000" dirty="0">
                 <a:latin typeface="Noto Serif CJK SC" panose="02020200000000000000" pitchFamily="18" charset="-128"/>
                 <a:ea typeface="Noto Serif CJK SC" panose="02020200000000000000" pitchFamily="18" charset="-128"/>
               </a:rPr>
               <a:t>：东部先行导致差距扩大，城乡收入比</a:t>
             </a:r>
             <a:r>
-              <a:rPr lang="en-US" altLang="zh-CN" dirty="0">
+              <a:rPr lang="en-US" altLang="zh-CN" sz="2000" dirty="0">
                 <a:latin typeface="Noto Serif CJK SC" panose="02020200000000000000" pitchFamily="18" charset="-128"/>
                 <a:ea typeface="Noto Serif CJK SC" panose="02020200000000000000" pitchFamily="18" charset="-128"/>
               </a:rPr>
               <a:t>1995</a:t>
             </a:r>
             <a:r>
-              <a:rPr lang="zh-CN" altLang="en-US" dirty="0">
+              <a:rPr lang="zh-CN" altLang="en-US" sz="2000" dirty="0">
                 <a:latin typeface="Noto Serif CJK SC" panose="02020200000000000000" pitchFamily="18" charset="-128"/>
                 <a:ea typeface="Noto Serif CJK SC" panose="02020200000000000000" pitchFamily="18" charset="-128"/>
               </a:rPr>
               <a:t>年达</a:t>
             </a:r>
             <a:r>
-              <a:rPr lang="en-US" altLang="zh-CN" dirty="0">
+              <a:rPr lang="en-US" altLang="zh-CN" sz="2000" dirty="0">
                 <a:latin typeface="Noto Serif CJK SC" panose="02020200000000000000" pitchFamily="18" charset="-128"/>
                 <a:ea typeface="Noto Serif CJK SC" panose="02020200000000000000" pitchFamily="18" charset="-128"/>
               </a:rPr>
@@ -3612,282 +3631,309 @@
             </a:r>
           </a:p>
           <a:p>
-            <a:pPr>
+            <a:pPr marL="285750" indent="-285750">
+              <a:lnSpc>
+                <a:spcPct val="150000"/>
+              </a:lnSpc>
               <a:spcBef>
                 <a:spcPts val="600"/>
               </a:spcBef>
-              <a:buFont typeface="Arial" panose="020B0604020202020204" pitchFamily="34" charset="0"/>
-              <a:buChar char="•"/>
+              <a:buFont typeface="Wingdings" panose="05000000000000000000" pitchFamily="2" charset="2"/>
+              <a:buChar char="Ø"/>
             </a:pPr>
             <a:r>
-              <a:rPr lang="zh-CN" altLang="en-US" b="1" dirty="0">
+              <a:rPr lang="zh-CN" altLang="en-US" sz="2000" b="1" dirty="0">
                 <a:latin typeface="Noto Serif CJK SC" panose="02020200000000000000" pitchFamily="18" charset="-128"/>
                 <a:ea typeface="Noto Serif CJK SC" panose="02020200000000000000" pitchFamily="18" charset="-128"/>
               </a:rPr>
               <a:t>粮食供给压力</a:t>
             </a:r>
             <a:r>
-              <a:rPr lang="zh-CN" altLang="en-US" dirty="0">
+              <a:rPr lang="zh-CN" altLang="en-US" sz="2000" dirty="0">
                 <a:latin typeface="Noto Serif CJK SC" panose="02020200000000000000" pitchFamily="18" charset="-128"/>
                 <a:ea typeface="Noto Serif CJK SC" panose="02020200000000000000" pitchFamily="18" charset="-128"/>
               </a:rPr>
               <a:t>：人口增长</a:t>
             </a:r>
             <a:r>
-              <a:rPr lang="en-US" altLang="zh-CN" dirty="0">
+              <a:rPr lang="en-US" altLang="zh-CN" sz="2000" dirty="0">
                 <a:latin typeface="Noto Serif CJK SC" panose="02020200000000000000" pitchFamily="18" charset="-128"/>
                 <a:ea typeface="Noto Serif CJK SC" panose="02020200000000000000" pitchFamily="18" charset="-128"/>
               </a:rPr>
               <a:t>+</a:t>
             </a:r>
             <a:r>
-              <a:rPr lang="zh-CN" altLang="en-US" dirty="0">
+              <a:rPr lang="zh-CN" altLang="en-US" sz="2000" dirty="0">
                 <a:latin typeface="Noto Serif CJK SC" panose="02020200000000000000" pitchFamily="18" charset="-128"/>
                 <a:ea typeface="Noto Serif CJK SC" panose="02020200000000000000" pitchFamily="18" charset="-128"/>
               </a:rPr>
               <a:t>膳食升级扩大需求，政策制约（价改滞后、科研投入不足）限制供给</a:t>
             </a:r>
-            <a:endParaRPr lang="en-US" altLang="zh-CN" dirty="0">
+            <a:endParaRPr lang="en-US" altLang="zh-CN" sz="2000" dirty="0">
               <a:latin typeface="Noto Serif CJK SC" panose="02020200000000000000" pitchFamily="18" charset="-128"/>
               <a:ea typeface="Noto Serif CJK SC" panose="02020200000000000000" pitchFamily="18" charset="-128"/>
             </a:endParaRPr>
           </a:p>
           <a:p>
-            <a:pPr>
+            <a:pPr marL="285750" indent="-285750">
+              <a:lnSpc>
+                <a:spcPct val="150000"/>
+              </a:lnSpc>
               <a:spcBef>
                 <a:spcPts val="600"/>
               </a:spcBef>
-              <a:buFont typeface="Arial" panose="020B0604020202020204" pitchFamily="34" charset="0"/>
-              <a:buChar char="•"/>
+              <a:buFont typeface="Wingdings" panose="05000000000000000000" pitchFamily="2" charset="2"/>
+              <a:buChar char="Ø"/>
             </a:pPr>
             <a:r>
-              <a:rPr lang="en-US" altLang="zh-CN" b="1" dirty="0">
+              <a:rPr lang="en-US" altLang="zh-CN" sz="2000" b="1" dirty="0">
                 <a:latin typeface="Noto Serif CJK SC" panose="02020200000000000000" pitchFamily="18" charset="-128"/>
                 <a:ea typeface="Noto Serif CJK SC" panose="02020200000000000000" pitchFamily="18" charset="-128"/>
               </a:rPr>
               <a:t>……</a:t>
             </a:r>
-            <a:endParaRPr lang="zh-CN" altLang="en-US" b="1" dirty="0">
+            <a:endParaRPr lang="zh-CN" altLang="en-US" sz="2000" b="1" dirty="0">
               <a:latin typeface="Noto Serif CJK SC" panose="02020200000000000000" pitchFamily="18" charset="-128"/>
               <a:ea typeface="Noto Serif CJK SC" panose="02020200000000000000" pitchFamily="18" charset="-128"/>
             </a:endParaRPr>
           </a:p>
         </p:txBody>
       </p:sp>
-      <p:sp>
-        <p:nvSpPr>
-          <p:cNvPr id="10" name="TextBox 9">
-            <a:extLst>
-              <a:ext uri="{FF2B5EF4-FFF2-40B4-BE49-F238E27FC236}">
-                <a16:creationId xmlns:a16="http://schemas.microsoft.com/office/drawing/2014/main" id="{76D9EBEA-24E8-96E6-38E8-80C37308BE33}"/>
-              </a:ext>
-            </a:extLst>
-          </p:cNvPr>
-          <p:cNvSpPr txBox="1"/>
+      <p:grpSp>
+        <p:nvGrpSpPr>
+          <p:cNvPr id="3" name="Group 2">
+            <a:extLst>
+              <a:ext uri="{FF2B5EF4-FFF2-40B4-BE49-F238E27FC236}">
+                <a16:creationId xmlns:a16="http://schemas.microsoft.com/office/drawing/2014/main" id="{EABCDF5C-757D-157D-93CD-88D59DD055BB}"/>
+              </a:ext>
+            </a:extLst>
+          </p:cNvPr>
+          <p:cNvGrpSpPr/>
           <p:nvPr/>
-        </p:nvSpPr>
-        <p:spPr>
+        </p:nvGrpSpPr>
+        <p:grpSpPr>
           <a:xfrm>
-            <a:off x="3048718" y="5106381"/>
-            <a:ext cx="6094562" cy="923330"/>
+            <a:off x="3048716" y="5285271"/>
+            <a:ext cx="6094567" cy="925771"/>
+            <a:chOff x="3048718" y="5103940"/>
+            <a:chExt cx="6094567" cy="925771"/>
           </a:xfrm>
-          <a:prstGeom prst="rect">
-            <a:avLst/>
-          </a:prstGeom>
-          <a:noFill/>
-          <a:ln>
+        </p:grpSpPr>
+        <p:sp>
+          <p:nvSpPr>
+            <p:cNvPr id="10" name="TextBox 9">
+              <a:extLst>
+                <a:ext uri="{FF2B5EF4-FFF2-40B4-BE49-F238E27FC236}">
+                  <a16:creationId xmlns:a16="http://schemas.microsoft.com/office/drawing/2014/main" id="{76D9EBEA-24E8-96E6-38E8-80C37308BE33}"/>
+                </a:ext>
+              </a:extLst>
+            </p:cNvPr>
+            <p:cNvSpPr txBox="1"/>
+            <p:nvPr/>
+          </p:nvSpPr>
+          <p:spPr>
+            <a:xfrm>
+              <a:off x="3048718" y="5106381"/>
+              <a:ext cx="6094562" cy="923330"/>
+            </a:xfrm>
+            <a:prstGeom prst="rect">
+              <a:avLst/>
+            </a:prstGeom>
             <a:noFill/>
-          </a:ln>
-        </p:spPr>
-        <p:txBody>
-          <a:bodyPr wrap="square">
-            <a:spAutoFit/>
-          </a:bodyPr>
-          <a:lstStyle/>
-          <a:p>
-            <a:r>
-              <a:rPr lang="zh-CN" altLang="en-US" dirty="0">
+            <a:ln>
+              <a:noFill/>
+            </a:ln>
+          </p:spPr>
+          <p:txBody>
+            <a:bodyPr wrap="square">
+              <a:spAutoFit/>
+            </a:bodyPr>
+            <a:lstStyle/>
+            <a:p>
+              <a:r>
+                <a:rPr lang="zh-CN" altLang="en-US" dirty="0">
+                  <a:solidFill>
+                    <a:srgbClr val="C00000"/>
+                  </a:solidFill>
+                  <a:latin typeface="Noto Serif CJK SC" panose="02020200000000000000" pitchFamily="18" charset="-128"/>
+                  <a:ea typeface="Noto Serif CJK SC" panose="02020200000000000000" pitchFamily="18" charset="-128"/>
+                </a:rPr>
+                <a:t>　 传统赶超战略遗留影响 </a:t>
+              </a:r>
+              <a:r>
+                <a:rPr lang="en-US" altLang="zh-CN" dirty="0">
+                  <a:solidFill>
+                    <a:srgbClr val="C00000"/>
+                  </a:solidFill>
+                  <a:latin typeface="Noto Serif CJK SC" panose="02020200000000000000" pitchFamily="18" charset="-128"/>
+                  <a:ea typeface="Noto Serif CJK SC" panose="02020200000000000000" pitchFamily="18" charset="-128"/>
+                </a:rPr>
+                <a:t>+ </a:t>
+              </a:r>
+              <a:r>
+                <a:rPr lang="zh-CN" altLang="en-US" dirty="0">
+                  <a:solidFill>
+                    <a:srgbClr val="C00000"/>
+                  </a:solidFill>
+                  <a:latin typeface="Noto Serif CJK SC" panose="02020200000000000000" pitchFamily="18" charset="-128"/>
+                  <a:ea typeface="Noto Serif CJK SC" panose="02020200000000000000" pitchFamily="18" charset="-128"/>
+                </a:rPr>
+                <a:t>市场化改革不彻底</a:t>
+              </a:r>
+              <a:endParaRPr lang="en-US" altLang="zh-CN" dirty="0">
                 <a:solidFill>
                   <a:srgbClr val="C00000"/>
                 </a:solidFill>
                 <a:latin typeface="Noto Serif CJK SC" panose="02020200000000000000" pitchFamily="18" charset="-128"/>
                 <a:ea typeface="Noto Serif CJK SC" panose="02020200000000000000" pitchFamily="18" charset="-128"/>
-              </a:rPr>
-              <a:t>　 传统赶超战略遗留影响 </a:t>
-            </a:r>
-            <a:r>
-              <a:rPr lang="en-US" altLang="zh-CN" dirty="0">
+              </a:endParaRPr>
+            </a:p>
+            <a:p>
+              <a:r>
+                <a:rPr lang="zh-CN" altLang="en-US" dirty="0">
+                  <a:solidFill>
+                    <a:srgbClr val="C00000"/>
+                  </a:solidFill>
+                  <a:latin typeface="Noto Serif CJK SC" panose="02020200000000000000" pitchFamily="18" charset="-128"/>
+                  <a:ea typeface="Noto Serif CJK SC" panose="02020200000000000000" pitchFamily="18" charset="-128"/>
+                </a:rPr>
+                <a:t>→ 宏观政策环境扭曲（如低利率、价格双轨）</a:t>
+              </a:r>
+              <a:endParaRPr lang="en-US" altLang="zh-CN" dirty="0">
                 <a:solidFill>
                   <a:srgbClr val="C00000"/>
                 </a:solidFill>
                 <a:latin typeface="Noto Serif CJK SC" panose="02020200000000000000" pitchFamily="18" charset="-128"/>
                 <a:ea typeface="Noto Serif CJK SC" panose="02020200000000000000" pitchFamily="18" charset="-128"/>
-              </a:rPr>
-              <a:t>+ </a:t>
-            </a:r>
-            <a:r>
-              <a:rPr lang="zh-CN" altLang="en-US" dirty="0">
+              </a:endParaRPr>
+            </a:p>
+            <a:p>
+              <a:r>
+                <a:rPr lang="zh-CN" altLang="en-US" dirty="0">
+                  <a:solidFill>
+                    <a:srgbClr val="C00000"/>
+                  </a:solidFill>
+                  <a:latin typeface="Noto Serif CJK SC" panose="02020200000000000000" pitchFamily="18" charset="-128"/>
+                  <a:ea typeface="Noto Serif CJK SC" panose="02020200000000000000" pitchFamily="18" charset="-128"/>
+                </a:rPr>
+                <a:t>→ 国企缺乏自生能力成为矛盾核心，衍生各类连锁问题</a:t>
+              </a:r>
+              <a:endParaRPr lang="en-US" dirty="0">
                 <a:solidFill>
                   <a:srgbClr val="C00000"/>
                 </a:solidFill>
                 <a:latin typeface="Noto Serif CJK SC" panose="02020200000000000000" pitchFamily="18" charset="-128"/>
                 <a:ea typeface="Noto Serif CJK SC" panose="02020200000000000000" pitchFamily="18" charset="-128"/>
-              </a:rPr>
-              <a:t>市场化改革不彻底</a:t>
-            </a:r>
-            <a:endParaRPr lang="en-US" altLang="zh-CN" dirty="0">
+              </a:endParaRPr>
+            </a:p>
+          </p:txBody>
+        </p:sp>
+        <p:sp>
+          <p:nvSpPr>
+            <p:cNvPr id="11" name="Rectangle: Folded Corner 10">
+              <a:extLst>
+                <a:ext uri="{FF2B5EF4-FFF2-40B4-BE49-F238E27FC236}">
+                  <a16:creationId xmlns:a16="http://schemas.microsoft.com/office/drawing/2014/main" id="{8D108FB4-CF77-BDC6-04B6-F713D98536BD}"/>
+                </a:ext>
+              </a:extLst>
+            </p:cNvPr>
+            <p:cNvSpPr/>
+            <p:nvPr/>
+          </p:nvSpPr>
+          <p:spPr>
+            <a:xfrm>
+              <a:off x="3048718" y="5106380"/>
+              <a:ext cx="6094562" cy="923331"/>
+            </a:xfrm>
+            <a:prstGeom prst="foldedCorner">
+              <a:avLst/>
+            </a:prstGeom>
+            <a:noFill/>
+            <a:ln>
               <a:solidFill>
                 <a:srgbClr val="C00000"/>
               </a:solidFill>
-              <a:latin typeface="Noto Serif CJK SC" panose="02020200000000000000" pitchFamily="18" charset="-128"/>
-              <a:ea typeface="Noto Serif CJK SC" panose="02020200000000000000" pitchFamily="18" charset="-128"/>
-            </a:endParaRPr>
-          </a:p>
-          <a:p>
-            <a:r>
-              <a:rPr lang="zh-CN" altLang="en-US" dirty="0">
-                <a:solidFill>
-                  <a:srgbClr val="C00000"/>
-                </a:solidFill>
-                <a:latin typeface="Noto Serif CJK SC" panose="02020200000000000000" pitchFamily="18" charset="-128"/>
-                <a:ea typeface="Noto Serif CJK SC" panose="02020200000000000000" pitchFamily="18" charset="-128"/>
-              </a:rPr>
-              <a:t>→ 宏观政策环境扭曲（如低利率、价格双轨）</a:t>
-            </a:r>
-            <a:endParaRPr lang="en-US" altLang="zh-CN" dirty="0">
-              <a:solidFill>
-                <a:srgbClr val="C00000"/>
-              </a:solidFill>
-              <a:latin typeface="Noto Serif CJK SC" panose="02020200000000000000" pitchFamily="18" charset="-128"/>
-              <a:ea typeface="Noto Serif CJK SC" panose="02020200000000000000" pitchFamily="18" charset="-128"/>
-            </a:endParaRPr>
-          </a:p>
-          <a:p>
-            <a:r>
-              <a:rPr lang="zh-CN" altLang="en-US" dirty="0">
-                <a:solidFill>
-                  <a:srgbClr val="C00000"/>
-                </a:solidFill>
-                <a:latin typeface="Noto Serif CJK SC" panose="02020200000000000000" pitchFamily="18" charset="-128"/>
-                <a:ea typeface="Noto Serif CJK SC" panose="02020200000000000000" pitchFamily="18" charset="-128"/>
-              </a:rPr>
-              <a:t>→ 国企缺乏自生能力成为矛盾核心，衍生各类连锁问题</a:t>
-            </a:r>
-            <a:endParaRPr lang="en-US" dirty="0">
-              <a:solidFill>
-                <a:srgbClr val="C00000"/>
-              </a:solidFill>
-              <a:latin typeface="Noto Serif CJK SC" panose="02020200000000000000" pitchFamily="18" charset="-128"/>
-              <a:ea typeface="Noto Serif CJK SC" panose="02020200000000000000" pitchFamily="18" charset="-128"/>
-            </a:endParaRPr>
-          </a:p>
-        </p:txBody>
-      </p:sp>
-      <p:sp>
-        <p:nvSpPr>
-          <p:cNvPr id="11" name="Rectangle: Folded Corner 10">
-            <a:extLst>
-              <a:ext uri="{FF2B5EF4-FFF2-40B4-BE49-F238E27FC236}">
-                <a16:creationId xmlns:a16="http://schemas.microsoft.com/office/drawing/2014/main" id="{8D108FB4-CF77-BDC6-04B6-F713D98536BD}"/>
-              </a:ext>
-            </a:extLst>
-          </p:cNvPr>
-          <p:cNvSpPr/>
-          <p:nvPr/>
-        </p:nvSpPr>
-        <p:spPr>
-          <a:xfrm>
-            <a:off x="3048718" y="5106380"/>
-            <a:ext cx="6094562" cy="923331"/>
-          </a:xfrm>
-          <a:prstGeom prst="foldedCorner">
-            <a:avLst/>
-          </a:prstGeom>
-          <a:noFill/>
-          <a:ln>
+            </a:ln>
+          </p:spPr>
+          <p:style>
+            <a:lnRef idx="2">
+              <a:schemeClr val="accent1">
+                <a:shade val="15000"/>
+              </a:schemeClr>
+            </a:lnRef>
+            <a:fillRef idx="1">
+              <a:schemeClr val="accent1"/>
+            </a:fillRef>
+            <a:effectRef idx="0">
+              <a:schemeClr val="accent1"/>
+            </a:effectRef>
+            <a:fontRef idx="minor">
+              <a:schemeClr val="lt1"/>
+            </a:fontRef>
+          </p:style>
+          <p:txBody>
+            <a:bodyPr rtlCol="0" anchor="ctr"/>
+            <a:lstStyle/>
+            <a:p>
+              <a:pPr algn="ctr"/>
+              <a:endParaRPr lang="en-US"/>
+            </a:p>
+          </p:txBody>
+        </p:sp>
+        <p:sp>
+          <p:nvSpPr>
+            <p:cNvPr id="13" name="Action Button: Get Information 12">
+              <a:hlinkClick r:id="" action="ppaction://noaction" highlightClick="1"/>
+              <a:extLst>
+                <a:ext uri="{FF2B5EF4-FFF2-40B4-BE49-F238E27FC236}">
+                  <a16:creationId xmlns:a16="http://schemas.microsoft.com/office/drawing/2014/main" id="{C9B23481-F3C3-BBE0-4EAD-FAAECBD3C4C1}"/>
+                </a:ext>
+              </a:extLst>
+            </p:cNvPr>
+            <p:cNvSpPr/>
+            <p:nvPr/>
+          </p:nvSpPr>
+          <p:spPr>
+            <a:xfrm>
+              <a:off x="8780107" y="5103940"/>
+              <a:ext cx="363178" cy="363178"/>
+            </a:xfrm>
+            <a:prstGeom prst="actionButtonInformation">
+              <a:avLst/>
+            </a:prstGeom>
             <a:solidFill>
               <a:srgbClr val="C00000"/>
             </a:solidFill>
-          </a:ln>
-        </p:spPr>
-        <p:style>
-          <a:lnRef idx="2">
-            <a:schemeClr val="accent1">
-              <a:shade val="15000"/>
-            </a:schemeClr>
-          </a:lnRef>
-          <a:fillRef idx="1">
-            <a:schemeClr val="accent1"/>
-          </a:fillRef>
-          <a:effectRef idx="0">
-            <a:schemeClr val="accent1"/>
-          </a:effectRef>
-          <a:fontRef idx="minor">
-            <a:schemeClr val="lt1"/>
-          </a:fontRef>
-        </p:style>
-        <p:txBody>
-          <a:bodyPr rtlCol="0" anchor="ctr"/>
-          <a:lstStyle/>
-          <a:p>
-            <a:pPr algn="ctr"/>
-            <a:endParaRPr lang="en-US"/>
-          </a:p>
-        </p:txBody>
-      </p:sp>
-      <p:sp>
-        <p:nvSpPr>
-          <p:cNvPr id="13" name="Action Button: Get Information 12">
-            <a:hlinkClick r:id="" action="ppaction://noaction" highlightClick="1"/>
-            <a:extLst>
-              <a:ext uri="{FF2B5EF4-FFF2-40B4-BE49-F238E27FC236}">
-                <a16:creationId xmlns:a16="http://schemas.microsoft.com/office/drawing/2014/main" id="{C9B23481-F3C3-BBE0-4EAD-FAAECBD3C4C1}"/>
-              </a:ext>
-            </a:extLst>
-          </p:cNvPr>
-          <p:cNvSpPr/>
-          <p:nvPr/>
-        </p:nvSpPr>
-        <p:spPr>
-          <a:xfrm>
-            <a:off x="8780107" y="5103940"/>
-            <a:ext cx="363178" cy="363178"/>
-          </a:xfrm>
-          <a:prstGeom prst="actionButtonInformation">
-            <a:avLst/>
-          </a:prstGeom>
-          <a:solidFill>
-            <a:srgbClr val="C00000"/>
-          </a:solidFill>
-          <a:ln>
-            <a:noFill/>
-          </a:ln>
-        </p:spPr>
-        <p:style>
-          <a:lnRef idx="2">
-            <a:schemeClr val="accent1">
-              <a:shade val="15000"/>
-            </a:schemeClr>
-          </a:lnRef>
-          <a:fillRef idx="1">
-            <a:schemeClr val="accent1"/>
-          </a:fillRef>
-          <a:effectRef idx="0">
-            <a:schemeClr val="accent1"/>
-          </a:effectRef>
-          <a:fontRef idx="minor">
-            <a:schemeClr val="lt1"/>
-          </a:fontRef>
-        </p:style>
-        <p:txBody>
-          <a:bodyPr rtlCol="0" anchor="ctr"/>
-          <a:lstStyle/>
-          <a:p>
-            <a:pPr algn="ctr"/>
-            <a:endParaRPr lang="en-US"/>
-          </a:p>
-        </p:txBody>
-      </p:sp>
+            <a:ln>
+              <a:noFill/>
+            </a:ln>
+          </p:spPr>
+          <p:style>
+            <a:lnRef idx="2">
+              <a:schemeClr val="accent1">
+                <a:shade val="15000"/>
+              </a:schemeClr>
+            </a:lnRef>
+            <a:fillRef idx="1">
+              <a:schemeClr val="accent1"/>
+            </a:fillRef>
+            <a:effectRef idx="0">
+              <a:schemeClr val="accent1"/>
+            </a:effectRef>
+            <a:fontRef idx="minor">
+              <a:schemeClr val="lt1"/>
+            </a:fontRef>
+          </p:style>
+          <p:txBody>
+            <a:bodyPr rtlCol="0" anchor="ctr"/>
+            <a:lstStyle/>
+            <a:p>
+              <a:pPr algn="ctr"/>
+              <a:endParaRPr lang="en-US"/>
+            </a:p>
+          </p:txBody>
+        </p:sp>
+      </p:grpSp>
     </p:spTree>
     <p:extLst>
       <p:ext uri="{BB962C8B-B14F-4D97-AF65-F5344CB8AC3E}">
